--- a/apresentacoes/20230730_a3data_churn.pptx
+++ b/apresentacoes/20230730_a3data_churn.pptx
@@ -305,7 +305,7 @@
               <a:rPr lang="es-ES" smtClean="0">
                 <a:latin typeface="IberPangea Text Light" panose="020B0404000000000000" pitchFamily="34" charset="0"/>
               </a:rPr>
-              <a:t>30/07/2023</a:t>
+              <a:t>31/07/2023</a:t>
             </a:fld>
             <a:endParaRPr lang="es-ES" dirty="0">
               <a:latin typeface="IberPangea Text Light" panose="020B0404000000000000" pitchFamily="34" charset="0"/>
@@ -534,7 +534,7 @@
               <a:pPr>
                 <a:defRPr/>
               </a:pPr>
-              <a:t>30/07/2023</a:t>
+              <a:t>31/07/2023</a:t>
             </a:fld>
             <a:endParaRPr lang="es-ES" dirty="0"/>
           </a:p>
@@ -23981,7 +23981,7 @@
         <p:spPr>
           <a:xfrm>
             <a:off x="960691" y="2673709"/>
-            <a:ext cx="20399693" cy="7183521"/>
+            <a:ext cx="21496973" cy="7183521"/>
           </a:xfrm>
           <a:prstGeom prst="rect">
             <a:avLst/>
@@ -24013,13 +24013,13 @@
           <a:p>
             <a:pPr marL="457200" indent="-457200">
               <a:lnSpc>
-                <a:spcPct val="200000"/>
+                <a:spcPct val="250000"/>
               </a:lnSpc>
               <a:buFont typeface="Arial" panose="020B0604020202020204" pitchFamily="34" charset="0"/>
               <a:buChar char="•"/>
             </a:pPr>
             <a:r>
-              <a:rPr lang="pt-BR" sz="2800" b="1" dirty="0">
+              <a:rPr lang="pt-BR" sz="3200" b="1" dirty="0">
                 <a:solidFill>
                   <a:schemeClr val="tx1"/>
                 </a:solidFill>
@@ -24031,13 +24031,13 @@
           <a:p>
             <a:pPr marL="342900" indent="-342900">
               <a:lnSpc>
-                <a:spcPct val="200000"/>
+                <a:spcPct val="250000"/>
               </a:lnSpc>
               <a:buFont typeface="Arial" panose="020B0604020202020204" pitchFamily="34" charset="0"/>
               <a:buChar char="•"/>
             </a:pPr>
             <a:r>
-              <a:rPr lang="pt-BR" sz="2800" b="1" dirty="0">
+              <a:rPr lang="pt-BR" sz="3200" b="1" dirty="0">
                 <a:solidFill>
                   <a:schemeClr val="tx1"/>
                 </a:solidFill>
@@ -24049,13 +24049,13 @@
           <a:p>
             <a:pPr marL="342900" indent="-342900">
               <a:lnSpc>
-                <a:spcPct val="200000"/>
+                <a:spcPct val="250000"/>
               </a:lnSpc>
               <a:buFont typeface="Arial" panose="020B0604020202020204" pitchFamily="34" charset="0"/>
               <a:buChar char="•"/>
             </a:pPr>
             <a:r>
-              <a:rPr lang="pt-BR" sz="2800" b="1" dirty="0">
+              <a:rPr lang="pt-BR" sz="3200" b="1" dirty="0">
                 <a:solidFill>
                   <a:schemeClr val="tx1"/>
                 </a:solidFill>
@@ -24067,13 +24067,13 @@
           <a:p>
             <a:pPr marL="342900" indent="-342900">
               <a:lnSpc>
-                <a:spcPct val="200000"/>
+                <a:spcPct val="250000"/>
               </a:lnSpc>
               <a:buFont typeface="Arial" panose="020B0604020202020204" pitchFamily="34" charset="0"/>
               <a:buChar char="•"/>
             </a:pPr>
             <a:r>
-              <a:rPr lang="pt-BR" sz="2800" b="1" dirty="0">
+              <a:rPr lang="pt-BR" sz="3200" b="1" dirty="0">
                 <a:solidFill>
                   <a:schemeClr val="tx1"/>
                 </a:solidFill>
@@ -24085,40 +24085,36 @@
           <a:p>
             <a:pPr marL="342900" indent="-342900">
               <a:lnSpc>
-                <a:spcPct val="200000"/>
+                <a:spcPct val="250000"/>
               </a:lnSpc>
               <a:buFont typeface="Arial" panose="020B0604020202020204" pitchFamily="34" charset="0"/>
               <a:buChar char="•"/>
             </a:pPr>
             <a:r>
-              <a:rPr lang="pt-BR" sz="2800" b="1" dirty="0">
+              <a:rPr lang="pt-BR" sz="3200" b="1" dirty="0" err="1">
                 <a:solidFill>
                   <a:schemeClr val="tx1"/>
                 </a:solidFill>
                 <a:latin typeface="+mj-lt"/>
               </a:rPr>
-              <a:t>“</a:t>
-            </a:r>
-            <a:r>
-              <a:rPr lang="pt-BR" sz="2800" b="1" dirty="0" err="1">
+              <a:t>Deploy</a:t>
+            </a:r>
+            <a:r>
+              <a:rPr lang="pt-BR" sz="3200" b="1" dirty="0">
                 <a:solidFill>
                   <a:schemeClr val="tx1"/>
                 </a:solidFill>
                 <a:latin typeface="+mj-lt"/>
               </a:rPr>
-              <a:t>Produtizar</a:t>
-            </a:r>
-            <a:r>
-              <a:rPr lang="pt-BR" sz="2800" b="1" dirty="0">
-                <a:solidFill>
-                  <a:schemeClr val="tx1"/>
-                </a:solidFill>
-                <a:latin typeface="+mj-lt"/>
-              </a:rPr>
-              <a:t>” esse modelo apresentado enquanto as melhorias citadas são testadas nas próximas sprints;</a:t>
+              <a:t> do modelo apresentado enquanto as melhorias citadas são testadas nas próximas sprints;</a:t>
             </a:r>
           </a:p>
           <a:p>
+            <a:pPr>
+              <a:lnSpc>
+                <a:spcPct val="250000"/>
+              </a:lnSpc>
+            </a:pPr>
             <a:endParaRPr lang="pt-BR" sz="2400" dirty="0">
               <a:solidFill>
                 <a:schemeClr val="tx1"/>
@@ -29175,6 +29171,39 @@
               </a:rPr>
               <a:t>21 colunas</a:t>
             </a:r>
+          </a:p>
+          <a:p>
+            <a:pPr marL="457200" indent="-457200">
+              <a:buFontTx/>
+              <a:buChar char="-"/>
+            </a:pPr>
+            <a:r>
+              <a:rPr lang="pt-BR" sz="2400" dirty="0">
+                <a:solidFill>
+                  <a:schemeClr val="tx1"/>
+                </a:solidFill>
+                <a:latin typeface="+mj-lt"/>
+              </a:rPr>
+              <a:t>Dados desbalanceados (27% </a:t>
+            </a:r>
+            <a:r>
+              <a:rPr lang="pt-BR" sz="2400" dirty="0" err="1">
+                <a:solidFill>
+                  <a:schemeClr val="tx1"/>
+                </a:solidFill>
+                <a:latin typeface="+mj-lt"/>
+              </a:rPr>
+              <a:t>churn</a:t>
+            </a:r>
+            <a:r>
+              <a:rPr lang="pt-BR" sz="2400" dirty="0">
+                <a:solidFill>
+                  <a:schemeClr val="tx1"/>
+                </a:solidFill>
+                <a:latin typeface="+mj-lt"/>
+              </a:rPr>
+              <a:t>)</a:t>
+            </a:r>
             <a:br>
               <a:rPr lang="pt-BR" sz="2400" dirty="0">
                 <a:solidFill>
@@ -39020,15 +39049,6 @@
 </file>
 
 <file path=customXml/item1.xml><?xml version="1.0" encoding="utf-8"?>
-<?mso-contentType ?>
-<FormTemplates xmlns="http://schemas.microsoft.com/sharepoint/v3/contenttype/forms">
-  <Display>DocumentLibraryForm</Display>
-  <Edit>DocumentLibraryForm</Edit>
-  <New>DocumentLibraryForm</New>
-</FormTemplates>
-</file>
-
-<file path=customXml/item2.xml><?xml version="1.0" encoding="utf-8"?>
 <p:properties xmlns:p="http://schemas.microsoft.com/office/2006/metadata/properties" xmlns:xsi="http://www.w3.org/2001/XMLSchema-instance" xmlns:pc="http://schemas.microsoft.com/office/infopath/2007/PartnerControls">
   <documentManagement>
     <lcf76f155ced4ddcb4097134ff3c332f xmlns="106cf1b1-6dd6-4858-a125-4e856adba774">
@@ -39037,6 +39057,15 @@
     <TaxCatchAll xmlns="b196ffa9-5a60-4d29-b06e-ee8cd3f24d98" xsi:nil="true"/>
   </documentManagement>
 </p:properties>
+</file>
+
+<file path=customXml/item2.xml><?xml version="1.0" encoding="utf-8"?>
+<?mso-contentType ?>
+<FormTemplates xmlns="http://schemas.microsoft.com/sharepoint/v3/contenttype/forms">
+  <Display>DocumentLibraryForm</Display>
+  <Edit>DocumentLibraryForm</Edit>
+  <New>DocumentLibraryForm</New>
+</FormTemplates>
 </file>
 
 <file path=customXml/item3.xml><?xml version="1.0" encoding="utf-8"?>
@@ -39235,14 +39264,6 @@
 </file>
 
 <file path=customXml/itemProps1.xml><?xml version="1.0" encoding="utf-8"?>
-<ds:datastoreItem xmlns:ds="http://schemas.openxmlformats.org/officeDocument/2006/customXml" ds:itemID="{D3DDD001-9B15-44EC-92D4-F0985AA8E5AC}">
-  <ds:schemaRefs>
-    <ds:schemaRef ds:uri="http://schemas.microsoft.com/sharepoint/v3/contenttype/forms"/>
-  </ds:schemaRefs>
-</ds:datastoreItem>
-</file>
-
-<file path=customXml/itemProps2.xml><?xml version="1.0" encoding="utf-8"?>
 <ds:datastoreItem xmlns:ds="http://schemas.openxmlformats.org/officeDocument/2006/customXml" ds:itemID="{9D225985-E045-4255-A5C0-29440C646005}">
   <ds:schemaRefs>
     <ds:schemaRef ds:uri="b196ffa9-5a60-4d29-b06e-ee8cd3f24d98"/>
@@ -39255,6 +39276,14 @@
     <ds:schemaRef ds:uri="http://schemas.openxmlformats.org/package/2006/metadata/core-properties"/>
     <ds:schemaRef ds:uri="106cf1b1-6dd6-4858-a125-4e856adba774"/>
     <ds:schemaRef ds:uri="http://purl.org/dc/terms/"/>
+  </ds:schemaRefs>
+</ds:datastoreItem>
+</file>
+
+<file path=customXml/itemProps2.xml><?xml version="1.0" encoding="utf-8"?>
+<ds:datastoreItem xmlns:ds="http://schemas.openxmlformats.org/officeDocument/2006/customXml" ds:itemID="{D3DDD001-9B15-44EC-92D4-F0985AA8E5AC}">
+  <ds:schemaRefs>
+    <ds:schemaRef ds:uri="http://schemas.microsoft.com/sharepoint/v3/contenttype/forms"/>
   </ds:schemaRefs>
 </ds:datastoreItem>
 </file>
